--- a/RxSwiftBasics/day3/RxSwiftBasics3.pptx
+++ b/RxSwiftBasics/day3/RxSwiftBasics3.pptx
@@ -5,15 +5,16 @@
     <p:sldMasterId id="2147483657" r:id="rId1"/>
   </p:sldMasterIdLst>
   <p:notesMasterIdLst>
-    <p:notesMasterId r:id="rId8"/>
+    <p:notesMasterId r:id="rId9"/>
   </p:notesMasterIdLst>
   <p:sldIdLst>
     <p:sldId id="256" r:id="rId2"/>
-    <p:sldId id="257" r:id="rId3"/>
-    <p:sldId id="258" r:id="rId4"/>
-    <p:sldId id="259" r:id="rId5"/>
-    <p:sldId id="260" r:id="rId6"/>
-    <p:sldId id="261" r:id="rId7"/>
+    <p:sldId id="262" r:id="rId3"/>
+    <p:sldId id="257" r:id="rId4"/>
+    <p:sldId id="258" r:id="rId5"/>
+    <p:sldId id="259" r:id="rId6"/>
+    <p:sldId id="260" r:id="rId7"/>
+    <p:sldId id="261" r:id="rId8"/>
   </p:sldIdLst>
   <p:sldSz cx="9144000" cy="5143500" type="screen16x9"/>
   <p:notesSz cx="6858000" cy="9144000"/>
@@ -1008,6 +1009,107 @@
 </file>
 
 <file path=ppt/notesSlides/notesSlide6.xml><?xml version="1.0" encoding="utf-8"?>
+<p:notes xmlns:a="http://schemas.openxmlformats.org/drawingml/2006/main" xmlns:r="http://schemas.openxmlformats.org/officeDocument/2006/relationships" xmlns:p="http://schemas.openxmlformats.org/presentationml/2006/main" showMasterSp="0" showMasterPhAnim="0">
+  <p:cSld>
+    <p:spTree>
+      <p:nvGrpSpPr>
+        <p:cNvPr id="1" name="Shape 185"/>
+        <p:cNvGrpSpPr/>
+        <p:nvPr/>
+      </p:nvGrpSpPr>
+      <p:grpSpPr>
+        <a:xfrm>
+          <a:off x="0" y="0"/>
+          <a:ext cx="0" cy="0"/>
+          <a:chOff x="0" y="0"/>
+          <a:chExt cx="0" cy="0"/>
+        </a:xfrm>
+      </p:grpSpPr>
+      <p:sp>
+        <p:nvSpPr>
+          <p:cNvPr id="186" name="Shape 186"/>
+          <p:cNvSpPr>
+            <a:spLocks noGrp="1" noRot="1" noChangeAspect="1"/>
+          </p:cNvSpPr>
+          <p:nvPr>
+            <p:ph type="sldImg" idx="2"/>
+          </p:nvPr>
+        </p:nvSpPr>
+        <p:spPr>
+          <a:xfrm>
+            <a:off x="381000" y="685800"/>
+            <a:ext cx="6096000" cy="3429000"/>
+          </a:xfrm>
+          <a:custGeom>
+            <a:avLst/>
+            <a:gdLst/>
+            <a:ahLst/>
+            <a:cxnLst/>
+            <a:rect l="0" t="0" r="0" b="0"/>
+            <a:pathLst>
+              <a:path w="120000" h="120000" extrusionOk="0">
+                <a:moveTo>
+                  <a:pt x="0" y="0"/>
+                </a:moveTo>
+                <a:lnTo>
+                  <a:pt x="120000" y="0"/>
+                </a:lnTo>
+                <a:lnTo>
+                  <a:pt x="120000" y="120000"/>
+                </a:lnTo>
+                <a:lnTo>
+                  <a:pt x="0" y="120000"/>
+                </a:lnTo>
+                <a:close/>
+              </a:path>
+            </a:pathLst>
+          </a:custGeom>
+        </p:spPr>
+      </p:sp>
+      <p:sp>
+        <p:nvSpPr>
+          <p:cNvPr id="187" name="Shape 187"/>
+          <p:cNvSpPr txBox="1">
+            <a:spLocks noGrp="1"/>
+          </p:cNvSpPr>
+          <p:nvPr>
+            <p:ph type="body" idx="1"/>
+          </p:nvPr>
+        </p:nvSpPr>
+        <p:spPr>
+          <a:xfrm>
+            <a:off x="685800" y="4343400"/>
+            <a:ext cx="5486400" cy="4114800"/>
+          </a:xfrm>
+          <a:prstGeom prst="rect">
+            <a:avLst/>
+          </a:prstGeom>
+        </p:spPr>
+        <p:txBody>
+          <a:bodyPr wrap="square" lIns="91425" tIns="91425" rIns="91425" bIns="91425" anchor="t" anchorCtr="0">
+            <a:noAutofit/>
+          </a:bodyPr>
+          <a:lstStyle/>
+          <a:p>
+            <a:pPr lvl="0">
+              <a:spcBef>
+                <a:spcPts val="0"/>
+              </a:spcBef>
+              <a:buNone/>
+            </a:pPr>
+            <a:endParaRPr/>
+          </a:p>
+        </p:txBody>
+      </p:sp>
+    </p:spTree>
+  </p:cSld>
+  <p:clrMapOvr>
+    <a:masterClrMapping/>
+  </p:clrMapOvr>
+</p:notes>
+</file>
+
+<file path=ppt/notesSlides/notesSlide7.xml><?xml version="1.0" encoding="utf-8"?>
 <p:notes xmlns:a="http://schemas.openxmlformats.org/drawingml/2006/main" xmlns:r="http://schemas.openxmlformats.org/officeDocument/2006/relationships" xmlns:p="http://schemas.openxmlformats.org/presentationml/2006/main" showMasterSp="0" showMasterPhAnim="0">
   <p:cSld>
     <p:spTree>
@@ -3830,6 +3932,353 @@
               <a:buNone/>
             </a:pPr>
             <a:r>
+              <a:rPr lang="en-US" dirty="0" err="1" smtClean="0"/>
+              <a:t>RxSwift</a:t>
+            </a:r>
+            <a:r>
+              <a:rPr lang="en-US" dirty="0" smtClean="0"/>
+              <a:t> Basics</a:t>
+            </a:r>
+            <a:endParaRPr lang="en" dirty="0"/>
+          </a:p>
+        </p:txBody>
+      </p:sp>
+      <p:sp>
+        <p:nvSpPr>
+          <p:cNvPr id="192" name="Shape 192"/>
+          <p:cNvSpPr txBox="1">
+            <a:spLocks noGrp="1"/>
+          </p:cNvSpPr>
+          <p:nvPr>
+            <p:ph type="sldNum" idx="12"/>
+          </p:nvPr>
+        </p:nvSpPr>
+        <p:spPr>
+          <a:xfrm>
+            <a:off x="7618000" y="4636500"/>
+            <a:ext cx="1487400" cy="315600"/>
+          </a:xfrm>
+          <a:prstGeom prst="rect">
+            <a:avLst/>
+          </a:prstGeom>
+        </p:spPr>
+        <p:txBody>
+          <a:bodyPr wrap="square" lIns="91425" tIns="91425" rIns="91425" bIns="91425" anchor="ctr" anchorCtr="0">
+            <a:noAutofit/>
+          </a:bodyPr>
+          <a:lstStyle/>
+          <a:p>
+            <a:pPr lvl="0">
+              <a:spcBef>
+                <a:spcPts val="0"/>
+              </a:spcBef>
+              <a:buNone/>
+            </a:pPr>
+            <a:fld id="{00000000-1234-1234-1234-123412341234}" type="slidenum">
+              <a:rPr lang="en"/>
+              <a:t>2</a:t>
+            </a:fld>
+            <a:endParaRPr lang="en"/>
+          </a:p>
+        </p:txBody>
+      </p:sp>
+      <p:pic>
+        <p:nvPicPr>
+          <p:cNvPr id="2" name="Picture 1" descr="Rx_Logo_M.png"/>
+          <p:cNvPicPr>
+            <a:picLocks noChangeAspect="1"/>
+          </p:cNvPicPr>
+          <p:nvPr/>
+        </p:nvPicPr>
+        <p:blipFill>
+          <a:blip r:embed="rId3">
+            <a:extLst>
+              <a:ext uri="{28A0092B-C50C-407E-A947-70E740481C1C}">
+                <a14:useLocalDpi xmlns:a14="http://schemas.microsoft.com/office/drawing/2010/main" val="0"/>
+              </a:ext>
+            </a:extLst>
+          </a:blip>
+          <a:stretch>
+            <a:fillRect/>
+          </a:stretch>
+        </p:blipFill>
+        <p:spPr>
+          <a:xfrm>
+            <a:off x="151129" y="442005"/>
+            <a:ext cx="663146" cy="663146"/>
+          </a:xfrm>
+          <a:prstGeom prst="rect">
+            <a:avLst/>
+          </a:prstGeom>
+        </p:spPr>
+      </p:pic>
+      <p:sp>
+        <p:nvSpPr>
+          <p:cNvPr id="9" name="Shape 237"/>
+          <p:cNvSpPr txBox="1">
+            <a:spLocks noGrp="1"/>
+          </p:cNvSpPr>
+          <p:nvPr>
+            <p:ph type="body" idx="1"/>
+          </p:nvPr>
+        </p:nvSpPr>
+        <p:spPr>
+          <a:xfrm>
+            <a:off x="554601" y="1650424"/>
+            <a:ext cx="8471579" cy="2862119"/>
+          </a:xfrm>
+          <a:prstGeom prst="rect">
+            <a:avLst/>
+          </a:prstGeom>
+        </p:spPr>
+        <p:txBody>
+          <a:bodyPr wrap="square" lIns="91425" tIns="91425" rIns="91425" bIns="91425" anchor="ctr" anchorCtr="0">
+            <a:noAutofit/>
+          </a:bodyPr>
+          <a:lstStyle/>
+          <a:p>
+            <a:r>
+              <a:rPr lang="en-US" dirty="0" smtClean="0"/>
+              <a:t>Day 1 </a:t>
+            </a:r>
+            <a:r>
+              <a:rPr lang="mr-IN" dirty="0" smtClean="0"/>
+              <a:t>–</a:t>
+            </a:r>
+            <a:r>
+              <a:rPr lang="en-US" dirty="0" smtClean="0"/>
+              <a:t> Observable, Operator (Filter, Transform, Combine</a:t>
+            </a:r>
+            <a:r>
+              <a:rPr lang="en-US" dirty="0" smtClean="0"/>
+              <a:t>)</a:t>
+            </a:r>
+            <a:endParaRPr lang="en-US" b="1" dirty="0" smtClean="0"/>
+          </a:p>
+          <a:p>
+            <a:r>
+              <a:rPr lang="en-US" dirty="0"/>
+              <a:t>Day </a:t>
+            </a:r>
+            <a:r>
+              <a:rPr lang="en-US" dirty="0" smtClean="0"/>
+              <a:t>2 </a:t>
+            </a:r>
+            <a:r>
+              <a:rPr lang="mr-IN" dirty="0"/>
+              <a:t>–</a:t>
+            </a:r>
+            <a:r>
+              <a:rPr lang="en-US" dirty="0"/>
+              <a:t> </a:t>
+            </a:r>
+            <a:r>
+              <a:rPr lang="en-US" dirty="0" smtClean="0"/>
+              <a:t>Subject (</a:t>
+            </a:r>
+            <a:r>
+              <a:rPr lang="en-US" dirty="0" err="1" smtClean="0"/>
+              <a:t>flatMap</a:t>
+            </a:r>
+            <a:r>
+              <a:rPr lang="en-US" dirty="0" smtClean="0"/>
+              <a:t>, </a:t>
+            </a:r>
+            <a:r>
+              <a:rPr lang="en-US" dirty="0" err="1" smtClean="0"/>
+              <a:t>flatMapFirst</a:t>
+            </a:r>
+            <a:r>
+              <a:rPr lang="en-US" dirty="0" smtClean="0"/>
+              <a:t>, </a:t>
+            </a:r>
+            <a:r>
+              <a:rPr lang="en-US" dirty="0" err="1" smtClean="0"/>
+              <a:t>flatMapLatest</a:t>
+            </a:r>
+            <a:r>
+              <a:rPr lang="en-US" dirty="0" smtClean="0"/>
+              <a:t>)</a:t>
+            </a:r>
+            <a:endParaRPr lang="en-US" b="1" dirty="0"/>
+          </a:p>
+          <a:p>
+            <a:r>
+              <a:rPr lang="en-US" b="1" dirty="0"/>
+              <a:t>Day </a:t>
+            </a:r>
+            <a:r>
+              <a:rPr lang="en-US" b="1" dirty="0" smtClean="0"/>
+              <a:t>3 </a:t>
+            </a:r>
+            <a:r>
+              <a:rPr lang="mr-IN" b="1" dirty="0"/>
+              <a:t>–</a:t>
+            </a:r>
+            <a:r>
+              <a:rPr lang="en-US" b="1" dirty="0"/>
+              <a:t> </a:t>
+            </a:r>
+            <a:r>
+              <a:rPr lang="en-US" b="1" dirty="0" smtClean="0"/>
+              <a:t>Two VCs communications with Subject, </a:t>
+            </a:r>
+            <a:r>
+              <a:rPr lang="en-US" b="1" dirty="0" err="1" smtClean="0"/>
+              <a:t>RxCocoa</a:t>
+            </a:r>
+            <a:r>
+              <a:rPr lang="en-US" b="1" dirty="0" smtClean="0"/>
+              <a:t> (Button</a:t>
+            </a:r>
+            <a:r>
+              <a:rPr lang="en-US" b="1" dirty="0" smtClean="0"/>
+              <a:t>)</a:t>
+            </a:r>
+          </a:p>
+          <a:p>
+            <a:endParaRPr lang="en-US" b="1" dirty="0"/>
+          </a:p>
+          <a:p>
+            <a:r>
+              <a:rPr lang="en-US" dirty="0"/>
+              <a:t>Day </a:t>
+            </a:r>
+            <a:r>
+              <a:rPr lang="en-US" dirty="0" smtClean="0"/>
+              <a:t>4 </a:t>
+            </a:r>
+            <a:r>
+              <a:rPr lang="mr-IN" dirty="0"/>
+              <a:t>–</a:t>
+            </a:r>
+            <a:r>
+              <a:rPr lang="en-US" dirty="0"/>
+              <a:t> </a:t>
+            </a:r>
+            <a:r>
+              <a:rPr lang="en-US" dirty="0" smtClean="0"/>
+              <a:t>Sequential, Merged Observable Calls</a:t>
+            </a:r>
+            <a:endParaRPr lang="en-US" dirty="0"/>
+          </a:p>
+          <a:p>
+            <a:r>
+              <a:rPr lang="en-US" dirty="0"/>
+              <a:t>Day </a:t>
+            </a:r>
+            <a:r>
+              <a:rPr lang="en-US" dirty="0" smtClean="0"/>
+              <a:t>5 </a:t>
+            </a:r>
+            <a:r>
+              <a:rPr lang="mr-IN" dirty="0"/>
+              <a:t>–</a:t>
+            </a:r>
+            <a:r>
+              <a:rPr lang="en-US" dirty="0"/>
+              <a:t> </a:t>
+            </a:r>
+            <a:r>
+              <a:rPr lang="en-US" dirty="0" err="1" smtClean="0"/>
+              <a:t>RxCocoa</a:t>
+            </a:r>
+            <a:r>
+              <a:rPr lang="en-US" dirty="0" smtClean="0"/>
+              <a:t>, UI Binding (Button, </a:t>
+            </a:r>
+            <a:r>
+              <a:rPr lang="en-US" dirty="0" err="1" smtClean="0"/>
+              <a:t>TextField</a:t>
+            </a:r>
+            <a:r>
+              <a:rPr lang="en-US" dirty="0" smtClean="0"/>
+              <a:t>, Label, </a:t>
+            </a:r>
+            <a:r>
+              <a:rPr lang="en-US" dirty="0" err="1" smtClean="0"/>
+              <a:t>TableView</a:t>
+            </a:r>
+            <a:r>
+              <a:rPr lang="en-US" dirty="0" smtClean="0"/>
+              <a:t>)</a:t>
+            </a:r>
+            <a:endParaRPr lang="en-US" dirty="0"/>
+          </a:p>
+          <a:p>
+            <a:endParaRPr lang="en-US" dirty="0" smtClean="0"/>
+          </a:p>
+        </p:txBody>
+      </p:sp>
+    </p:spTree>
+    <p:extLst>
+      <p:ext uri="{BB962C8B-B14F-4D97-AF65-F5344CB8AC3E}">
+        <p14:creationId xmlns:p14="http://schemas.microsoft.com/office/powerpoint/2010/main" val="2332120552"/>
+      </p:ext>
+    </p:extLst>
+  </p:cSld>
+  <p:clrMapOvr>
+    <a:masterClrMapping/>
+  </p:clrMapOvr>
+  <p:timing>
+    <p:tnLst>
+      <p:par>
+        <p:cTn xmlns:p14="http://schemas.microsoft.com/office/powerpoint/2010/main" id="1" dur="indefinite" restart="never" nodeType="tmRoot"/>
+      </p:par>
+    </p:tnLst>
+  </p:timing>
+</p:sld>
+</file>
+
+<file path=ppt/slides/slide3.xml><?xml version="1.0" encoding="utf-8"?>
+<p:sld xmlns:a="http://schemas.openxmlformats.org/drawingml/2006/main" xmlns:r="http://schemas.openxmlformats.org/officeDocument/2006/relationships" xmlns:p="http://schemas.openxmlformats.org/presentationml/2006/main">
+  <p:cSld>
+    <p:spTree>
+      <p:nvGrpSpPr>
+        <p:cNvPr id="1" name="Shape 188"/>
+        <p:cNvGrpSpPr/>
+        <p:nvPr/>
+      </p:nvGrpSpPr>
+      <p:grpSpPr>
+        <a:xfrm>
+          <a:off x="0" y="0"/>
+          <a:ext cx="0" cy="0"/>
+          <a:chOff x="0" y="0"/>
+          <a:chExt cx="0" cy="0"/>
+        </a:xfrm>
+      </p:grpSpPr>
+      <p:sp>
+        <p:nvSpPr>
+          <p:cNvPr id="189" name="Shape 189"/>
+          <p:cNvSpPr txBox="1">
+            <a:spLocks noGrp="1"/>
+          </p:cNvSpPr>
+          <p:nvPr>
+            <p:ph type="title"/>
+          </p:nvPr>
+        </p:nvSpPr>
+        <p:spPr>
+          <a:xfrm>
+            <a:off x="814275" y="392575"/>
+            <a:ext cx="5258400" cy="766200"/>
+          </a:xfrm>
+          <a:prstGeom prst="rect">
+            <a:avLst/>
+          </a:prstGeom>
+        </p:spPr>
+        <p:txBody>
+          <a:bodyPr wrap="square" lIns="91425" tIns="91425" rIns="91425" bIns="91425" anchor="ctr" anchorCtr="0">
+            <a:noAutofit/>
+          </a:bodyPr>
+          <a:lstStyle/>
+          <a:p>
+            <a:pPr lvl="0" rtl="0">
+              <a:spcBef>
+                <a:spcPts val="0"/>
+              </a:spcBef>
+              <a:buNone/>
+            </a:pPr>
+            <a:r>
               <a:rPr lang="en-US" dirty="0" smtClean="0"/>
               <a:t>Two VCs : delegate - 1</a:t>
             </a:r>
@@ -3870,7 +4319,7 @@
             </a:pPr>
             <a:fld id="{00000000-1234-1234-1234-123412341234}" type="slidenum">
               <a:rPr lang="en"/>
-              <a:t>2</a:t>
+              <a:t>3</a:t>
             </a:fld>
             <a:endParaRPr lang="en"/>
           </a:p>
@@ -3956,7 +4405,7 @@
 </p:sld>
 </file>
 
-<file path=ppt/slides/slide3.xml><?xml version="1.0" encoding="utf-8"?>
+<file path=ppt/slides/slide4.xml><?xml version="1.0" encoding="utf-8"?>
 <p:sld xmlns:a="http://schemas.openxmlformats.org/drawingml/2006/main" xmlns:r="http://schemas.openxmlformats.org/officeDocument/2006/relationships" xmlns:p="http://schemas.openxmlformats.org/presentationml/2006/main">
   <p:cSld>
     <p:spTree>
@@ -4044,7 +4493,7 @@
             </a:pPr>
             <a:fld id="{00000000-1234-1234-1234-123412341234}" type="slidenum">
               <a:rPr lang="en"/>
-              <a:t>3</a:t>
+              <a:t>4</a:t>
             </a:fld>
             <a:endParaRPr lang="en"/>
           </a:p>
@@ -4130,7 +4579,7 @@
 </p:sld>
 </file>
 
-<file path=ppt/slides/slide4.xml><?xml version="1.0" encoding="utf-8"?>
+<file path=ppt/slides/slide5.xml><?xml version="1.0" encoding="utf-8"?>
 <p:sld xmlns:a="http://schemas.openxmlformats.org/drawingml/2006/main" xmlns:r="http://schemas.openxmlformats.org/officeDocument/2006/relationships" xmlns:p="http://schemas.openxmlformats.org/presentationml/2006/main">
   <p:cSld>
     <p:spTree>
@@ -4219,7 +4668,7 @@
             </a:pPr>
             <a:fld id="{00000000-1234-1234-1234-123412341234}" type="slidenum">
               <a:rPr lang="en"/>
-              <a:t>4</a:t>
+              <a:t>5</a:t>
             </a:fld>
             <a:endParaRPr lang="en"/>
           </a:p>
@@ -4305,7 +4754,7 @@
 </p:sld>
 </file>
 
-<file path=ppt/slides/slide5.xml><?xml version="1.0" encoding="utf-8"?>
+<file path=ppt/slides/slide6.xml><?xml version="1.0" encoding="utf-8"?>
 <p:sld xmlns:a="http://schemas.openxmlformats.org/drawingml/2006/main" xmlns:r="http://schemas.openxmlformats.org/officeDocument/2006/relationships" xmlns:p="http://schemas.openxmlformats.org/presentationml/2006/main">
   <p:cSld>
     <p:spTree>
@@ -4394,7 +4843,7 @@
             </a:pPr>
             <a:fld id="{00000000-1234-1234-1234-123412341234}" type="slidenum">
               <a:rPr lang="en"/>
-              <a:t>5</a:t>
+              <a:t>6</a:t>
             </a:fld>
             <a:endParaRPr lang="en"/>
           </a:p>
@@ -4480,7 +4929,7 @@
 </p:sld>
 </file>
 
-<file path=ppt/slides/slide6.xml><?xml version="1.0" encoding="utf-8"?>
+<file path=ppt/slides/slide7.xml><?xml version="1.0" encoding="utf-8"?>
 <p:sld xmlns:a="http://schemas.openxmlformats.org/drawingml/2006/main" xmlns:r="http://schemas.openxmlformats.org/officeDocument/2006/relationships" xmlns:p="http://schemas.openxmlformats.org/presentationml/2006/main">
   <p:cSld>
     <p:spTree>
@@ -4569,7 +5018,7 @@
             </a:pPr>
             <a:fld id="{00000000-1234-1234-1234-123412341234}" type="slidenum">
               <a:rPr lang="en"/>
-              <a:t>6</a:t>
+              <a:t>7</a:t>
             </a:fld>
             <a:endParaRPr lang="en"/>
           </a:p>

--- a/RxSwiftBasics/day3/RxSwiftBasics3.pptx
+++ b/RxSwiftBasics/day3/RxSwiftBasics3.pptx
@@ -5,16 +5,17 @@
     <p:sldMasterId id="2147483657" r:id="rId1"/>
   </p:sldMasterIdLst>
   <p:notesMasterIdLst>
-    <p:notesMasterId r:id="rId9"/>
+    <p:notesMasterId r:id="rId10"/>
   </p:notesMasterIdLst>
   <p:sldIdLst>
     <p:sldId id="256" r:id="rId2"/>
     <p:sldId id="262" r:id="rId3"/>
-    <p:sldId id="257" r:id="rId4"/>
-    <p:sldId id="258" r:id="rId5"/>
-    <p:sldId id="259" r:id="rId6"/>
-    <p:sldId id="260" r:id="rId7"/>
-    <p:sldId id="261" r:id="rId8"/>
+    <p:sldId id="264" r:id="rId4"/>
+    <p:sldId id="257" r:id="rId5"/>
+    <p:sldId id="258" r:id="rId6"/>
+    <p:sldId id="259" r:id="rId7"/>
+    <p:sldId id="260" r:id="rId8"/>
+    <p:sldId id="261" r:id="rId9"/>
   </p:sldIdLst>
   <p:sldSz cx="9144000" cy="5143500" type="screen16x9"/>
   <p:notesSz cx="6858000" cy="9144000"/>
@@ -1110,6 +1111,107 @@
 </file>
 
 <file path=ppt/notesSlides/notesSlide7.xml><?xml version="1.0" encoding="utf-8"?>
+<p:notes xmlns:a="http://schemas.openxmlformats.org/drawingml/2006/main" xmlns:r="http://schemas.openxmlformats.org/officeDocument/2006/relationships" xmlns:p="http://schemas.openxmlformats.org/presentationml/2006/main" showMasterSp="0" showMasterPhAnim="0">
+  <p:cSld>
+    <p:spTree>
+      <p:nvGrpSpPr>
+        <p:cNvPr id="1" name="Shape 185"/>
+        <p:cNvGrpSpPr/>
+        <p:nvPr/>
+      </p:nvGrpSpPr>
+      <p:grpSpPr>
+        <a:xfrm>
+          <a:off x="0" y="0"/>
+          <a:ext cx="0" cy="0"/>
+          <a:chOff x="0" y="0"/>
+          <a:chExt cx="0" cy="0"/>
+        </a:xfrm>
+      </p:grpSpPr>
+      <p:sp>
+        <p:nvSpPr>
+          <p:cNvPr id="186" name="Shape 186"/>
+          <p:cNvSpPr>
+            <a:spLocks noGrp="1" noRot="1" noChangeAspect="1"/>
+          </p:cNvSpPr>
+          <p:nvPr>
+            <p:ph type="sldImg" idx="2"/>
+          </p:nvPr>
+        </p:nvSpPr>
+        <p:spPr>
+          <a:xfrm>
+            <a:off x="381000" y="685800"/>
+            <a:ext cx="6096000" cy="3429000"/>
+          </a:xfrm>
+          <a:custGeom>
+            <a:avLst/>
+            <a:gdLst/>
+            <a:ahLst/>
+            <a:cxnLst/>
+            <a:rect l="0" t="0" r="0" b="0"/>
+            <a:pathLst>
+              <a:path w="120000" h="120000" extrusionOk="0">
+                <a:moveTo>
+                  <a:pt x="0" y="0"/>
+                </a:moveTo>
+                <a:lnTo>
+                  <a:pt x="120000" y="0"/>
+                </a:lnTo>
+                <a:lnTo>
+                  <a:pt x="120000" y="120000"/>
+                </a:lnTo>
+                <a:lnTo>
+                  <a:pt x="0" y="120000"/>
+                </a:lnTo>
+                <a:close/>
+              </a:path>
+            </a:pathLst>
+          </a:custGeom>
+        </p:spPr>
+      </p:sp>
+      <p:sp>
+        <p:nvSpPr>
+          <p:cNvPr id="187" name="Shape 187"/>
+          <p:cNvSpPr txBox="1">
+            <a:spLocks noGrp="1"/>
+          </p:cNvSpPr>
+          <p:nvPr>
+            <p:ph type="body" idx="1"/>
+          </p:nvPr>
+        </p:nvSpPr>
+        <p:spPr>
+          <a:xfrm>
+            <a:off x="685800" y="4343400"/>
+            <a:ext cx="5486400" cy="4114800"/>
+          </a:xfrm>
+          <a:prstGeom prst="rect">
+            <a:avLst/>
+          </a:prstGeom>
+        </p:spPr>
+        <p:txBody>
+          <a:bodyPr wrap="square" lIns="91425" tIns="91425" rIns="91425" bIns="91425" anchor="t" anchorCtr="0">
+            <a:noAutofit/>
+          </a:bodyPr>
+          <a:lstStyle/>
+          <a:p>
+            <a:pPr lvl="0">
+              <a:spcBef>
+                <a:spcPts val="0"/>
+              </a:spcBef>
+              <a:buNone/>
+            </a:pPr>
+            <a:endParaRPr/>
+          </a:p>
+        </p:txBody>
+      </p:sp>
+    </p:spTree>
+  </p:cSld>
+  <p:clrMapOvr>
+    <a:masterClrMapping/>
+  </p:clrMapOvr>
+</p:notes>
+</file>
+
+<file path=ppt/notesSlides/notesSlide8.xml><?xml version="1.0" encoding="utf-8"?>
 <p:notes xmlns:a="http://schemas.openxmlformats.org/drawingml/2006/main" xmlns:r="http://schemas.openxmlformats.org/officeDocument/2006/relationships" xmlns:p="http://schemas.openxmlformats.org/presentationml/2006/main" showMasterSp="0" showMasterPhAnim="0">
   <p:cSld>
     <p:spTree>
@@ -4047,11 +4149,7 @@
             </a:r>
             <a:r>
               <a:rPr lang="en-US" dirty="0" smtClean="0"/>
-              <a:t> Observable, Operator (Filter, Transform, Combine</a:t>
-            </a:r>
-            <a:r>
-              <a:rPr lang="en-US" dirty="0" smtClean="0"/>
-              <a:t>)</a:t>
+              <a:t> Observable, Operator (Filter, Transform, Combine)</a:t>
             </a:r>
             <a:endParaRPr lang="en-US" b="1" dirty="0" smtClean="0"/>
           </a:p>
@@ -4129,11 +4227,7 @@
             </a:r>
             <a:r>
               <a:rPr lang="en-US" b="1" dirty="0" smtClean="0"/>
-              <a:t> (Button</a:t>
-            </a:r>
-            <a:r>
-              <a:rPr lang="en-US" b="1" dirty="0" smtClean="0"/>
-              <a:t>)</a:t>
+              <a:t> (Button)</a:t>
             </a:r>
           </a:p>
           <a:p>
@@ -4280,7 +4374,11 @@
             </a:pPr>
             <a:r>
               <a:rPr lang="en-US" dirty="0" smtClean="0"/>
-              <a:t>Two VCs : delegate - 1</a:t>
+              <a:t>Advanced </a:t>
+            </a:r>
+            <a:r>
+              <a:rPr lang="en-US" dirty="0" err="1" smtClean="0"/>
+              <a:t>RxSwift</a:t>
             </a:r>
             <a:endParaRPr lang="en" dirty="0"/>
           </a:p>
@@ -4320,6 +4418,364 @@
             <a:fld id="{00000000-1234-1234-1234-123412341234}" type="slidenum">
               <a:rPr lang="en"/>
               <a:t>3</a:t>
+            </a:fld>
+            <a:endParaRPr lang="en"/>
+          </a:p>
+        </p:txBody>
+      </p:sp>
+      <p:pic>
+        <p:nvPicPr>
+          <p:cNvPr id="2" name="Picture 1" descr="Rx_Logo_M.png"/>
+          <p:cNvPicPr>
+            <a:picLocks noChangeAspect="1"/>
+          </p:cNvPicPr>
+          <p:nvPr/>
+        </p:nvPicPr>
+        <p:blipFill>
+          <a:blip r:embed="rId3">
+            <a:extLst>
+              <a:ext uri="{28A0092B-C50C-407E-A947-70E740481C1C}">
+                <a14:useLocalDpi xmlns:a14="http://schemas.microsoft.com/office/drawing/2010/main" val="0"/>
+              </a:ext>
+            </a:extLst>
+          </a:blip>
+          <a:stretch>
+            <a:fillRect/>
+          </a:stretch>
+        </p:blipFill>
+        <p:spPr>
+          <a:xfrm>
+            <a:off x="151129" y="442005"/>
+            <a:ext cx="663146" cy="663146"/>
+          </a:xfrm>
+          <a:prstGeom prst="rect">
+            <a:avLst/>
+          </a:prstGeom>
+        </p:spPr>
+      </p:pic>
+      <p:sp>
+        <p:nvSpPr>
+          <p:cNvPr id="9" name="Shape 237"/>
+          <p:cNvSpPr txBox="1">
+            <a:spLocks noGrp="1"/>
+          </p:cNvSpPr>
+          <p:nvPr>
+            <p:ph type="body" idx="1"/>
+          </p:nvPr>
+        </p:nvSpPr>
+        <p:spPr>
+          <a:xfrm>
+            <a:off x="151130" y="1650424"/>
+            <a:ext cx="8891026" cy="2862119"/>
+          </a:xfrm>
+          <a:prstGeom prst="rect">
+            <a:avLst/>
+          </a:prstGeom>
+        </p:spPr>
+        <p:txBody>
+          <a:bodyPr wrap="square" lIns="91425" tIns="91425" rIns="91425" bIns="91425" anchor="ctr" anchorCtr="0">
+            <a:noAutofit/>
+          </a:bodyPr>
+          <a:lstStyle/>
+          <a:p>
+            <a:r>
+              <a:rPr lang="en-US" dirty="0" smtClean="0"/>
+              <a:t>Day </a:t>
+            </a:r>
+            <a:r>
+              <a:rPr lang="en-US" dirty="0" smtClean="0"/>
+              <a:t>1 </a:t>
+            </a:r>
+            <a:r>
+              <a:rPr lang="mr-IN" dirty="0" smtClean="0"/>
+              <a:t>–</a:t>
+            </a:r>
+            <a:r>
+              <a:rPr lang="en-US" dirty="0" smtClean="0"/>
+              <a:t> Protocol-Oriented Programming, Protocol Extension, </a:t>
+            </a:r>
+            <a:r>
+              <a:rPr lang="en-US" dirty="0" err="1" smtClean="0"/>
+              <a:t>Associatetype</a:t>
+            </a:r>
+            <a:endParaRPr lang="en-US" dirty="0" smtClean="0"/>
+          </a:p>
+          <a:p>
+            <a:r>
+              <a:rPr lang="en-US" dirty="0"/>
+              <a:t>Day </a:t>
+            </a:r>
+            <a:r>
+              <a:rPr lang="en-US" dirty="0" smtClean="0"/>
+              <a:t>2 </a:t>
+            </a:r>
+            <a:r>
+              <a:rPr lang="mr-IN" dirty="0"/>
+              <a:t>–</a:t>
+            </a:r>
+            <a:r>
+              <a:rPr lang="en-US" dirty="0"/>
+              <a:t> </a:t>
+            </a:r>
+            <a:r>
+              <a:rPr lang="en-US" dirty="0" smtClean="0"/>
+              <a:t>Network Call, Generic </a:t>
+            </a:r>
+            <a:r>
+              <a:rPr lang="en-US" dirty="0" err="1" smtClean="0"/>
+              <a:t>Enum</a:t>
+            </a:r>
+            <a:endParaRPr lang="en-US" dirty="0"/>
+          </a:p>
+          <a:p>
+            <a:r>
+              <a:rPr lang="en-US" dirty="0"/>
+              <a:t>Day </a:t>
+            </a:r>
+            <a:r>
+              <a:rPr lang="en-US" dirty="0" smtClean="0"/>
+              <a:t>3 </a:t>
+            </a:r>
+            <a:r>
+              <a:rPr lang="mr-IN" dirty="0"/>
+              <a:t>–</a:t>
+            </a:r>
+            <a:r>
+              <a:rPr lang="en-US" dirty="0"/>
+              <a:t> </a:t>
+            </a:r>
+            <a:r>
+              <a:rPr lang="en-US" dirty="0" smtClean="0"/>
+              <a:t>Binding Track Activity (show / hide ‘Loading’ )</a:t>
+            </a:r>
+            <a:endParaRPr lang="en-US" dirty="0"/>
+          </a:p>
+          <a:p>
+            <a:r>
+              <a:rPr lang="en-US" dirty="0"/>
+              <a:t>Day </a:t>
+            </a:r>
+            <a:r>
+              <a:rPr lang="en-US" dirty="0" smtClean="0"/>
+              <a:t>4 </a:t>
+            </a:r>
+            <a:r>
+              <a:rPr lang="mr-IN" dirty="0"/>
+              <a:t>–</a:t>
+            </a:r>
+            <a:r>
+              <a:rPr lang="en-US" dirty="0"/>
+              <a:t> </a:t>
+            </a:r>
+            <a:r>
+              <a:rPr lang="en-US" dirty="0" smtClean="0"/>
+              <a:t>Advanced </a:t>
+            </a:r>
+            <a:r>
+              <a:rPr lang="en-US" dirty="0" err="1" smtClean="0"/>
+              <a:t>Tab</a:t>
+            </a:r>
+            <a:r>
+              <a:rPr lang="en-US" dirty="0" err="1" smtClean="0"/>
+              <a:t>leView</a:t>
+            </a:r>
+            <a:r>
+              <a:rPr lang="en-US" dirty="0" smtClean="0"/>
+              <a:t> - </a:t>
+            </a:r>
+            <a:r>
+              <a:rPr lang="en-US" dirty="0" err="1" smtClean="0"/>
+              <a:t>RxDataSources</a:t>
+            </a:r>
+            <a:endParaRPr lang="en-US" dirty="0"/>
+          </a:p>
+          <a:p>
+            <a:r>
+              <a:rPr lang="en-US" dirty="0"/>
+              <a:t>Day </a:t>
+            </a:r>
+            <a:r>
+              <a:rPr lang="en-US" dirty="0" smtClean="0"/>
+              <a:t>5 </a:t>
+            </a:r>
+            <a:r>
+              <a:rPr lang="mr-IN" dirty="0"/>
+              <a:t>–</a:t>
+            </a:r>
+            <a:r>
+              <a:rPr lang="en-US" dirty="0"/>
+              <a:t> </a:t>
+            </a:r>
+            <a:r>
+              <a:rPr lang="en-US" dirty="0" smtClean="0"/>
+              <a:t>Schedu</a:t>
+            </a:r>
+            <a:r>
+              <a:rPr lang="en-US" dirty="0" smtClean="0"/>
+              <a:t>lers (</a:t>
+            </a:r>
+            <a:r>
+              <a:rPr lang="en-US" dirty="0" err="1" smtClean="0"/>
+              <a:t>observeOn</a:t>
+            </a:r>
+            <a:r>
+              <a:rPr lang="en-US" dirty="0" smtClean="0"/>
+              <a:t>, </a:t>
+            </a:r>
+            <a:r>
+              <a:rPr lang="en-US" dirty="0" err="1" smtClean="0"/>
+              <a:t>subscribeOn</a:t>
+            </a:r>
+            <a:r>
+              <a:rPr lang="en-US" dirty="0" smtClean="0"/>
+              <a:t>), </a:t>
+            </a:r>
+          </a:p>
+          <a:p>
+            <a:pPr lvl="1">
+              <a:buNone/>
+            </a:pPr>
+            <a:r>
+              <a:rPr lang="en-US" dirty="0"/>
+              <a:t>	</a:t>
+            </a:r>
+            <a:r>
+              <a:rPr lang="en-US" dirty="0" smtClean="0"/>
+              <a:t>	Unit Test (</a:t>
+            </a:r>
+            <a:r>
+              <a:rPr lang="en-US" dirty="0" err="1" smtClean="0"/>
+              <a:t>RxTest</a:t>
+            </a:r>
+            <a:r>
+              <a:rPr lang="en-US" dirty="0" smtClean="0"/>
+              <a:t>, </a:t>
+            </a:r>
+            <a:r>
+              <a:rPr lang="en-US" dirty="0" err="1" smtClean="0"/>
+              <a:t>RxBlocking</a:t>
+            </a:r>
+            <a:r>
+              <a:rPr lang="en-US" dirty="0" smtClean="0"/>
+              <a:t>)</a:t>
+            </a:r>
+            <a:endParaRPr lang="en-US" dirty="0"/>
+          </a:p>
+          <a:p>
+            <a:endParaRPr lang="en-US" dirty="0" smtClean="0"/>
+          </a:p>
+        </p:txBody>
+      </p:sp>
+    </p:spTree>
+    <p:extLst>
+      <p:ext uri="{BB962C8B-B14F-4D97-AF65-F5344CB8AC3E}">
+        <p14:creationId xmlns:p14="http://schemas.microsoft.com/office/powerpoint/2010/main" val="1787829413"/>
+      </p:ext>
+    </p:extLst>
+  </p:cSld>
+  <p:clrMapOvr>
+    <a:masterClrMapping/>
+  </p:clrMapOvr>
+  <p:timing>
+    <p:tnLst>
+      <p:par>
+        <p:cTn xmlns:p14="http://schemas.microsoft.com/office/powerpoint/2010/main" id="1" dur="indefinite" restart="never" nodeType="tmRoot"/>
+      </p:par>
+    </p:tnLst>
+  </p:timing>
+</p:sld>
+</file>
+
+<file path=ppt/slides/slide4.xml><?xml version="1.0" encoding="utf-8"?>
+<p:sld xmlns:a="http://schemas.openxmlformats.org/drawingml/2006/main" xmlns:r="http://schemas.openxmlformats.org/officeDocument/2006/relationships" xmlns:p="http://schemas.openxmlformats.org/presentationml/2006/main">
+  <p:cSld>
+    <p:spTree>
+      <p:nvGrpSpPr>
+        <p:cNvPr id="1" name="Shape 188"/>
+        <p:cNvGrpSpPr/>
+        <p:nvPr/>
+      </p:nvGrpSpPr>
+      <p:grpSpPr>
+        <a:xfrm>
+          <a:off x="0" y="0"/>
+          <a:ext cx="0" cy="0"/>
+          <a:chOff x="0" y="0"/>
+          <a:chExt cx="0" cy="0"/>
+        </a:xfrm>
+      </p:grpSpPr>
+      <p:sp>
+        <p:nvSpPr>
+          <p:cNvPr id="189" name="Shape 189"/>
+          <p:cNvSpPr txBox="1">
+            <a:spLocks noGrp="1"/>
+          </p:cNvSpPr>
+          <p:nvPr>
+            <p:ph type="title"/>
+          </p:nvPr>
+        </p:nvSpPr>
+        <p:spPr>
+          <a:xfrm>
+            <a:off x="814275" y="392575"/>
+            <a:ext cx="5258400" cy="766200"/>
+          </a:xfrm>
+          <a:prstGeom prst="rect">
+            <a:avLst/>
+          </a:prstGeom>
+        </p:spPr>
+        <p:txBody>
+          <a:bodyPr wrap="square" lIns="91425" tIns="91425" rIns="91425" bIns="91425" anchor="ctr" anchorCtr="0">
+            <a:noAutofit/>
+          </a:bodyPr>
+          <a:lstStyle/>
+          <a:p>
+            <a:pPr lvl="0" rtl="0">
+              <a:spcBef>
+                <a:spcPts val="0"/>
+              </a:spcBef>
+              <a:buNone/>
+            </a:pPr>
+            <a:r>
+              <a:rPr lang="en-US" dirty="0" smtClean="0"/>
+              <a:t>Two VCs : delegate - 1</a:t>
+            </a:r>
+            <a:endParaRPr lang="en" dirty="0"/>
+          </a:p>
+        </p:txBody>
+      </p:sp>
+      <p:sp>
+        <p:nvSpPr>
+          <p:cNvPr id="192" name="Shape 192"/>
+          <p:cNvSpPr txBox="1">
+            <a:spLocks noGrp="1"/>
+          </p:cNvSpPr>
+          <p:nvPr>
+            <p:ph type="sldNum" idx="12"/>
+          </p:nvPr>
+        </p:nvSpPr>
+        <p:spPr>
+          <a:xfrm>
+            <a:off x="7618000" y="4636500"/>
+            <a:ext cx="1487400" cy="315600"/>
+          </a:xfrm>
+          <a:prstGeom prst="rect">
+            <a:avLst/>
+          </a:prstGeom>
+        </p:spPr>
+        <p:txBody>
+          <a:bodyPr wrap="square" lIns="91425" tIns="91425" rIns="91425" bIns="91425" anchor="ctr" anchorCtr="0">
+            <a:noAutofit/>
+          </a:bodyPr>
+          <a:lstStyle/>
+          <a:p>
+            <a:pPr lvl="0">
+              <a:spcBef>
+                <a:spcPts val="0"/>
+              </a:spcBef>
+              <a:buNone/>
+            </a:pPr>
+            <a:fld id="{00000000-1234-1234-1234-123412341234}" type="slidenum">
+              <a:rPr lang="en"/>
+              <a:t>4</a:t>
             </a:fld>
             <a:endParaRPr lang="en"/>
           </a:p>
@@ -4405,7 +4861,7 @@
 </p:sld>
 </file>
 
-<file path=ppt/slides/slide4.xml><?xml version="1.0" encoding="utf-8"?>
+<file path=ppt/slides/slide5.xml><?xml version="1.0" encoding="utf-8"?>
 <p:sld xmlns:a="http://schemas.openxmlformats.org/drawingml/2006/main" xmlns:r="http://schemas.openxmlformats.org/officeDocument/2006/relationships" xmlns:p="http://schemas.openxmlformats.org/presentationml/2006/main">
   <p:cSld>
     <p:spTree>
@@ -4493,7 +4949,7 @@
             </a:pPr>
             <a:fld id="{00000000-1234-1234-1234-123412341234}" type="slidenum">
               <a:rPr lang="en"/>
-              <a:t>4</a:t>
+              <a:t>5</a:t>
             </a:fld>
             <a:endParaRPr lang="en"/>
           </a:p>
@@ -4579,7 +5035,7 @@
 </p:sld>
 </file>
 
-<file path=ppt/slides/slide5.xml><?xml version="1.0" encoding="utf-8"?>
+<file path=ppt/slides/slide6.xml><?xml version="1.0" encoding="utf-8"?>
 <p:sld xmlns:a="http://schemas.openxmlformats.org/drawingml/2006/main" xmlns:r="http://schemas.openxmlformats.org/officeDocument/2006/relationships" xmlns:p="http://schemas.openxmlformats.org/presentationml/2006/main">
   <p:cSld>
     <p:spTree>
@@ -4668,7 +5124,7 @@
             </a:pPr>
             <a:fld id="{00000000-1234-1234-1234-123412341234}" type="slidenum">
               <a:rPr lang="en"/>
-              <a:t>5</a:t>
+              <a:t>6</a:t>
             </a:fld>
             <a:endParaRPr lang="en"/>
           </a:p>
@@ -4754,7 +5210,7 @@
 </p:sld>
 </file>
 
-<file path=ppt/slides/slide6.xml><?xml version="1.0" encoding="utf-8"?>
+<file path=ppt/slides/slide7.xml><?xml version="1.0" encoding="utf-8"?>
 <p:sld xmlns:a="http://schemas.openxmlformats.org/drawingml/2006/main" xmlns:r="http://schemas.openxmlformats.org/officeDocument/2006/relationships" xmlns:p="http://schemas.openxmlformats.org/presentationml/2006/main">
   <p:cSld>
     <p:spTree>
@@ -4843,7 +5299,7 @@
             </a:pPr>
             <a:fld id="{00000000-1234-1234-1234-123412341234}" type="slidenum">
               <a:rPr lang="en"/>
-              <a:t>6</a:t>
+              <a:t>7</a:t>
             </a:fld>
             <a:endParaRPr lang="en"/>
           </a:p>
@@ -4929,7 +5385,7 @@
 </p:sld>
 </file>
 
-<file path=ppt/slides/slide7.xml><?xml version="1.0" encoding="utf-8"?>
+<file path=ppt/slides/slide8.xml><?xml version="1.0" encoding="utf-8"?>
 <p:sld xmlns:a="http://schemas.openxmlformats.org/drawingml/2006/main" xmlns:r="http://schemas.openxmlformats.org/officeDocument/2006/relationships" xmlns:p="http://schemas.openxmlformats.org/presentationml/2006/main">
   <p:cSld>
     <p:spTree>
@@ -5018,7 +5474,7 @@
             </a:pPr>
             <a:fld id="{00000000-1234-1234-1234-123412341234}" type="slidenum">
               <a:rPr lang="en"/>
-              <a:t>7</a:t>
+              <a:t>8</a:t>
             </a:fld>
             <a:endParaRPr lang="en"/>
           </a:p>

--- a/RxSwiftBasics/day3/RxSwiftBasics3.pptx
+++ b/RxSwiftBasics/day3/RxSwiftBasics3.pptx
@@ -4480,11 +4480,7 @@
           <a:p>
             <a:r>
               <a:rPr lang="en-US" dirty="0" smtClean="0"/>
-              <a:t>Day </a:t>
-            </a:r>
-            <a:r>
-              <a:rPr lang="en-US" dirty="0" smtClean="0"/>
-              <a:t>1 </a:t>
+              <a:t>Day 1 </a:t>
             </a:r>
             <a:r>
               <a:rPr lang="mr-IN" dirty="0" smtClean="0"/>
@@ -4568,23 +4564,33 @@
               <a:t> </a:t>
             </a:r>
             <a:r>
-              <a:rPr lang="en-US" dirty="0" smtClean="0"/>
-              <a:t>Advanced </a:t>
-            </a:r>
-            <a:r>
-              <a:rPr lang="en-US" dirty="0" err="1" smtClean="0"/>
-              <a:t>Tab</a:t>
-            </a:r>
-            <a:r>
-              <a:rPr lang="en-US" dirty="0" err="1" smtClean="0"/>
-              <a:t>leView</a:t>
-            </a:r>
-            <a:r>
-              <a:rPr lang="en-US" dirty="0" smtClean="0"/>
-              <a:t> - </a:t>
-            </a:r>
-            <a:r>
-              <a:rPr lang="en-US" dirty="0" err="1" smtClean="0"/>
+              <a:rPr lang="en-US" dirty="0"/>
+              <a:t>Adding a Reactive Extension to Custom UI Element, </a:t>
+            </a:r>
+          </a:p>
+          <a:p>
+            <a:r>
+              <a:rPr lang="en-US" dirty="0"/>
+              <a:t>              2 Way Binding, Advanced </a:t>
+            </a:r>
+            <a:r>
+              <a:rPr lang="en-US" dirty="0" err="1"/>
+              <a:t>TableView</a:t>
+            </a:r>
+            <a:r>
+              <a:rPr lang="en-US" dirty="0"/>
+              <a:t> </a:t>
+            </a:r>
+            <a:r>
+              <a:rPr lang="mr-IN" dirty="0"/>
+              <a:t>–</a:t>
+            </a:r>
+            <a:r>
+              <a:rPr lang="en-US" dirty="0"/>
+              <a:t> </a:t>
+            </a:r>
+            <a:r>
+              <a:rPr lang="en-US" smtClean="0"/>
               <a:t>RxDataSources</a:t>
             </a:r>
             <a:endParaRPr lang="en-US" dirty="0"/>
@@ -4608,11 +4614,7 @@
             </a:r>
             <a:r>
               <a:rPr lang="en-US" dirty="0" smtClean="0"/>
-              <a:t>Schedu</a:t>
-            </a:r>
-            <a:r>
-              <a:rPr lang="en-US" dirty="0" smtClean="0"/>
-              <a:t>lers (</a:t>
+              <a:t>Schedulers (</a:t>
             </a:r>
             <a:r>
               <a:rPr lang="en-US" dirty="0" err="1" smtClean="0"/>

--- a/RxSwiftBasics/day3/RxSwiftBasics3.pptx
+++ b/RxSwiftBasics/day3/RxSwiftBasics3.pptx
@@ -4542,7 +4542,15 @@
             </a:r>
             <a:r>
               <a:rPr lang="en-US" dirty="0" smtClean="0"/>
-              <a:t>Binding Track Activity (show / hide ‘Loading’ )</a:t>
+              <a:t>Binding Track Activity (show / hide ‘Loading</a:t>
+            </a:r>
+            <a:r>
+              <a:rPr lang="en-US" smtClean="0"/>
+              <a:t>’ </a:t>
+            </a:r>
+            <a:r>
+              <a:rPr lang="en-US"/>
+              <a:t>), Scan Operator</a:t>
             </a:r>
             <a:endParaRPr lang="en-US" dirty="0"/>
           </a:p>
@@ -4561,11 +4569,7 @@
             </a:r>
             <a:r>
               <a:rPr lang="en-US" dirty="0"/>
-              <a:t> </a:t>
-            </a:r>
-            <a:r>
-              <a:rPr lang="en-US" dirty="0"/>
-              <a:t>Adding a Reactive Extension to Custom UI Element, </a:t>
+              <a:t> Adding a Reactive Extension to Custom UI Element, </a:t>
             </a:r>
           </a:p>
           <a:p>
@@ -4590,7 +4594,7 @@
               <a:t> </a:t>
             </a:r>
             <a:r>
-              <a:rPr lang="en-US" smtClean="0"/>
+              <a:rPr lang="en-US" dirty="0" err="1" smtClean="0"/>
               <a:t>RxDataSources</a:t>
             </a:r>
             <a:endParaRPr lang="en-US" dirty="0"/>
